--- a/프론트엔드기초(PPT)/JAVASCRIPT 1강_개요.pptx
+++ b/프론트엔드기초(PPT)/JAVASCRIPT 1강_개요.pptx
@@ -9,10 +9,8 @@
     <p:sldId id="264" r:id="rId3"/>
     <p:sldId id="262" r:id="rId4"/>
     <p:sldId id="257" r:id="rId5"/>
-    <p:sldId id="259" r:id="rId6"/>
-    <p:sldId id="260" r:id="rId7"/>
-    <p:sldId id="265" r:id="rId8"/>
-    <p:sldId id="263" r:id="rId9"/>
+    <p:sldId id="265" r:id="rId6"/>
+    <p:sldId id="263" r:id="rId7"/>
   </p:sldIdLst>
   <p:sldSz cx="9144000" cy="6858000" type="screen4x3"/>
   <p:notesSz cx="6858000" cy="9144000"/>
@@ -295,7 +293,7 @@
           <a:p>
             <a:fld id="{FB30EDBD-1C2D-4C1E-B459-B60219FAB484}" type="datetimeFigureOut">
               <a:rPr lang="ko-KR" altLang="en-US" smtClean="0"/>
-              <a:t>2020-05-31</a:t>
+              <a:t>2020-09-12</a:t>
             </a:fld>
             <a:endParaRPr lang="ko-KR" altLang="en-US"/>
           </a:p>
@@ -460,7 +458,7 @@
           <a:p>
             <a:fld id="{FB30EDBD-1C2D-4C1E-B459-B60219FAB484}" type="datetimeFigureOut">
               <a:rPr lang="ko-KR" altLang="en-US" smtClean="0"/>
-              <a:t>2020-05-31</a:t>
+              <a:t>2020-09-12</a:t>
             </a:fld>
             <a:endParaRPr lang="ko-KR" altLang="en-US"/>
           </a:p>
@@ -635,7 +633,7 @@
           <a:p>
             <a:fld id="{FB30EDBD-1C2D-4C1E-B459-B60219FAB484}" type="datetimeFigureOut">
               <a:rPr lang="ko-KR" altLang="en-US" smtClean="0"/>
-              <a:t>2020-05-31</a:t>
+              <a:t>2020-09-12</a:t>
             </a:fld>
             <a:endParaRPr lang="ko-KR" altLang="en-US"/>
           </a:p>
@@ -800,7 +798,7 @@
           <a:p>
             <a:fld id="{FB30EDBD-1C2D-4C1E-B459-B60219FAB484}" type="datetimeFigureOut">
               <a:rPr lang="ko-KR" altLang="en-US" smtClean="0"/>
-              <a:t>2020-05-31</a:t>
+              <a:t>2020-09-12</a:t>
             </a:fld>
             <a:endParaRPr lang="ko-KR" altLang="en-US"/>
           </a:p>
@@ -1041,7 +1039,7 @@
           <a:p>
             <a:fld id="{FB30EDBD-1C2D-4C1E-B459-B60219FAB484}" type="datetimeFigureOut">
               <a:rPr lang="ko-KR" altLang="en-US" smtClean="0"/>
-              <a:t>2020-05-31</a:t>
+              <a:t>2020-09-12</a:t>
             </a:fld>
             <a:endParaRPr lang="ko-KR" altLang="en-US"/>
           </a:p>
@@ -1324,7 +1322,7 @@
           <a:p>
             <a:fld id="{FB30EDBD-1C2D-4C1E-B459-B60219FAB484}" type="datetimeFigureOut">
               <a:rPr lang="ko-KR" altLang="en-US" smtClean="0"/>
-              <a:t>2020-05-31</a:t>
+              <a:t>2020-09-12</a:t>
             </a:fld>
             <a:endParaRPr lang="ko-KR" altLang="en-US"/>
           </a:p>
@@ -1741,7 +1739,7 @@
           <a:p>
             <a:fld id="{FB30EDBD-1C2D-4C1E-B459-B60219FAB484}" type="datetimeFigureOut">
               <a:rPr lang="ko-KR" altLang="en-US" smtClean="0"/>
-              <a:t>2020-05-31</a:t>
+              <a:t>2020-09-12</a:t>
             </a:fld>
             <a:endParaRPr lang="ko-KR" altLang="en-US"/>
           </a:p>
@@ -1854,7 +1852,7 @@
           <a:p>
             <a:fld id="{FB30EDBD-1C2D-4C1E-B459-B60219FAB484}" type="datetimeFigureOut">
               <a:rPr lang="ko-KR" altLang="en-US" smtClean="0"/>
-              <a:t>2020-05-31</a:t>
+              <a:t>2020-09-12</a:t>
             </a:fld>
             <a:endParaRPr lang="ko-KR" altLang="en-US"/>
           </a:p>
@@ -1944,7 +1942,7 @@
           <a:p>
             <a:fld id="{FB30EDBD-1C2D-4C1E-B459-B60219FAB484}" type="datetimeFigureOut">
               <a:rPr lang="ko-KR" altLang="en-US" smtClean="0"/>
-              <a:t>2020-05-31</a:t>
+              <a:t>2020-09-12</a:t>
             </a:fld>
             <a:endParaRPr lang="ko-KR" altLang="en-US"/>
           </a:p>
@@ -2216,7 +2214,7 @@
           <a:p>
             <a:fld id="{FB30EDBD-1C2D-4C1E-B459-B60219FAB484}" type="datetimeFigureOut">
               <a:rPr lang="ko-KR" altLang="en-US" smtClean="0"/>
-              <a:t>2020-05-31</a:t>
+              <a:t>2020-09-12</a:t>
             </a:fld>
             <a:endParaRPr lang="ko-KR" altLang="en-US"/>
           </a:p>
@@ -2464,7 +2462,7 @@
           <a:p>
             <a:fld id="{FB30EDBD-1C2D-4C1E-B459-B60219FAB484}" type="datetimeFigureOut">
               <a:rPr lang="ko-KR" altLang="en-US" smtClean="0"/>
-              <a:t>2020-05-31</a:t>
+              <a:t>2020-09-12</a:t>
             </a:fld>
             <a:endParaRPr lang="ko-KR" altLang="en-US"/>
           </a:p>
@@ -2672,7 +2670,7 @@
           <a:p>
             <a:fld id="{FB30EDBD-1C2D-4C1E-B459-B60219FAB484}" type="datetimeFigureOut">
               <a:rPr lang="ko-KR" altLang="en-US" smtClean="0"/>
-              <a:t>2020-05-31</a:t>
+              <a:t>2020-09-12</a:t>
             </a:fld>
             <a:endParaRPr lang="ko-KR" altLang="en-US"/>
           </a:p>
@@ -3332,7 +3330,7 @@
         </p:nvSpPr>
         <p:spPr>
           <a:xfrm>
-            <a:off x="685800" y="2492896"/>
+            <a:off x="712802" y="2708920"/>
             <a:ext cx="7772400" cy="1470025"/>
           </a:xfrm>
           <a:prstGeom prst="rect">
@@ -3361,25 +3359,38 @@
           </a:lstStyle>
           <a:p>
             <a:r>
+              <a:rPr lang="en-US" altLang="ko-KR" dirty="0" smtClean="0">
+                <a:latin typeface="배달의민족 주아" pitchFamily="18" charset="-127"/>
+                <a:ea typeface="배달의민족 주아" pitchFamily="18" charset="-127"/>
+              </a:rPr>
+              <a:t>HTML </a:t>
+            </a:r>
+            <a:r>
               <a:rPr lang="ko-KR" altLang="en-US" dirty="0" smtClean="0">
                 <a:latin typeface="배달의민족 주아" pitchFamily="18" charset="-127"/>
                 <a:ea typeface="배달의민족 주아" pitchFamily="18" charset="-127"/>
               </a:rPr>
-              <a:t>객체</a:t>
-            </a:r>
-            <a:r>
-              <a:rPr lang="en-US" altLang="ko-KR" dirty="0" smtClean="0">
-                <a:latin typeface="배달의민족 주아" pitchFamily="18" charset="-127"/>
-                <a:ea typeface="배달의민족 주아" pitchFamily="18" charset="-127"/>
-              </a:rPr>
-              <a:t>(Object)</a:t>
-            </a:r>
+              <a:t>위에서 동작하는 </a:t>
+            </a:r>
+            <a:endParaRPr lang="en-US" altLang="ko-KR" dirty="0" smtClean="0">
+              <a:latin typeface="배달의민족 주아" pitchFamily="18" charset="-127"/>
+              <a:ea typeface="배달의민족 주아" pitchFamily="18" charset="-127"/>
+            </a:endParaRPr>
+          </a:p>
+          <a:p>
             <a:r>
               <a:rPr lang="ko-KR" altLang="en-US" dirty="0" smtClean="0">
                 <a:latin typeface="배달의민족 주아" pitchFamily="18" charset="-127"/>
                 <a:ea typeface="배달의민족 주아" pitchFamily="18" charset="-127"/>
               </a:rPr>
-              <a:t>기반의 스크립트 언어</a:t>
+              <a:t>스크립트 </a:t>
+            </a:r>
+            <a:r>
+              <a:rPr lang="ko-KR" altLang="en-US" dirty="0" smtClean="0">
+                <a:latin typeface="배달의민족 주아" pitchFamily="18" charset="-127"/>
+                <a:ea typeface="배달의민족 주아" pitchFamily="18" charset="-127"/>
+              </a:rPr>
+              <a:t>언어</a:t>
             </a:r>
             <a:endParaRPr lang="ko-KR" altLang="en-US" dirty="0">
               <a:latin typeface="배달의민족 주아" pitchFamily="18" charset="-127"/>
@@ -4169,494 +4180,6 @@
         </p:nvSpPr>
         <p:spPr>
           <a:xfrm>
-            <a:off x="685800" y="2130425"/>
-            <a:ext cx="7772400" cy="1802631"/>
-          </a:xfrm>
-        </p:spPr>
-        <p:txBody>
-          <a:bodyPr>
-            <a:normAutofit fontScale="90000"/>
-          </a:bodyPr>
-          <a:lstStyle/>
-          <a:p>
-            <a:r>
-              <a:rPr lang="ko-KR" altLang="en-US" dirty="0" smtClean="0">
-                <a:latin typeface="배달의민족 주아" pitchFamily="18" charset="-127"/>
-                <a:ea typeface="배달의민족 주아" pitchFamily="18" charset="-127"/>
-              </a:rPr>
-              <a:t>자바스크립트는 </a:t>
-            </a:r>
-            <a:r>
-              <a:rPr lang="ko-KR" altLang="en-US" dirty="0" smtClean="0">
-                <a:solidFill>
-                  <a:schemeClr val="accent5"/>
-                </a:solidFill>
-                <a:latin typeface="배달의민족 주아" pitchFamily="18" charset="-127"/>
-                <a:ea typeface="배달의민족 주아" pitchFamily="18" charset="-127"/>
-              </a:rPr>
-              <a:t>동적</a:t>
-            </a:r>
-            <a:r>
-              <a:rPr lang="ko-KR" altLang="en-US" dirty="0" smtClean="0">
-                <a:latin typeface="배달의민족 주아" pitchFamily="18" charset="-127"/>
-                <a:ea typeface="배달의민족 주아" pitchFamily="18" charset="-127"/>
-              </a:rPr>
-              <a:t>이며</a:t>
-            </a:r>
-            <a:r>
-              <a:rPr lang="en-US" altLang="ko-KR" dirty="0" smtClean="0">
-                <a:latin typeface="배달의민족 주아" pitchFamily="18" charset="-127"/>
-                <a:ea typeface="배달의민족 주아" pitchFamily="18" charset="-127"/>
-              </a:rPr>
-              <a:t>, </a:t>
-            </a:r>
-            <a:br>
-              <a:rPr lang="en-US" altLang="ko-KR" dirty="0" smtClean="0">
-                <a:latin typeface="배달의민족 주아" pitchFamily="18" charset="-127"/>
-                <a:ea typeface="배달의민족 주아" pitchFamily="18" charset="-127"/>
-              </a:rPr>
-            </a:br>
-            <a:r>
-              <a:rPr lang="ko-KR" altLang="en-US" dirty="0" smtClean="0">
-                <a:latin typeface="배달의민족 주아" pitchFamily="18" charset="-127"/>
-                <a:ea typeface="배달의민족 주아" pitchFamily="18" charset="-127"/>
-              </a:rPr>
-              <a:t>타입을 명시할 </a:t>
-            </a:r>
-            <a:r>
-              <a:rPr lang="ko-KR" altLang="en-US" dirty="0" err="1" smtClean="0">
-                <a:latin typeface="배달의민족 주아" pitchFamily="18" charset="-127"/>
-                <a:ea typeface="배달의민족 주아" pitchFamily="18" charset="-127"/>
-              </a:rPr>
-              <a:t>필요없는</a:t>
-            </a:r>
-            <a:r>
-              <a:rPr lang="ko-KR" altLang="en-US" dirty="0" smtClean="0">
-                <a:latin typeface="배달의민족 주아" pitchFamily="18" charset="-127"/>
-                <a:ea typeface="배달의민족 주아" pitchFamily="18" charset="-127"/>
-              </a:rPr>
-              <a:t> </a:t>
-            </a:r>
-            <a:r>
-              <a:rPr lang="ko-KR" altLang="en-US" dirty="0" smtClean="0">
-                <a:solidFill>
-                  <a:schemeClr val="accent5"/>
-                </a:solidFill>
-                <a:latin typeface="배달의민족 주아" pitchFamily="18" charset="-127"/>
-                <a:ea typeface="배달의민족 주아" pitchFamily="18" charset="-127"/>
-              </a:rPr>
-              <a:t>인터프리터</a:t>
-            </a:r>
-            <a:r>
-              <a:rPr lang="ko-KR" altLang="en-US" dirty="0" smtClean="0">
-                <a:latin typeface="배달의민족 주아" pitchFamily="18" charset="-127"/>
-                <a:ea typeface="배달의민족 주아" pitchFamily="18" charset="-127"/>
-              </a:rPr>
-              <a:t> 언어이다</a:t>
-            </a:r>
-            <a:r>
-              <a:rPr lang="en-US" altLang="ko-KR" dirty="0" smtClean="0">
-                <a:latin typeface="배달의민족 주아" pitchFamily="18" charset="-127"/>
-                <a:ea typeface="배달의민족 주아" pitchFamily="18" charset="-127"/>
-              </a:rPr>
-              <a:t>. </a:t>
-            </a:r>
-            <a:endParaRPr lang="ko-KR" altLang="en-US" dirty="0">
-              <a:latin typeface="배달의민족 주아" pitchFamily="18" charset="-127"/>
-              <a:ea typeface="배달의민족 주아" pitchFamily="18" charset="-127"/>
-            </a:endParaRPr>
-          </a:p>
-        </p:txBody>
-      </p:sp>
-      <p:sp>
-        <p:nvSpPr>
-          <p:cNvPr id="4" name="TextBox 3"/>
-          <p:cNvSpPr txBox="1"/>
-          <p:nvPr/>
-        </p:nvSpPr>
-        <p:spPr>
-          <a:xfrm>
-            <a:off x="6588224" y="6165304"/>
-            <a:ext cx="1838965" cy="369332"/>
-          </a:xfrm>
-          <a:prstGeom prst="rect">
-            <a:avLst/>
-          </a:prstGeom>
-          <a:noFill/>
-        </p:spPr>
-        <p:txBody>
-          <a:bodyPr wrap="none" rtlCol="0">
-            <a:spAutoFit/>
-          </a:bodyPr>
-          <a:lstStyle/>
-          <a:p>
-            <a:r>
-              <a:rPr lang="en-US" altLang="ko-KR" dirty="0" smtClean="0">
-                <a:solidFill>
-                  <a:schemeClr val="accent5"/>
-                </a:solidFill>
-                <a:latin typeface="배달의민족 도현" pitchFamily="50" charset="-127"/>
-                <a:ea typeface="배달의민족 도현" pitchFamily="50" charset="-127"/>
-              </a:rPr>
-              <a:t>S</a:t>
-            </a:r>
-            <a:r>
-              <a:rPr lang="en-US" altLang="ko-KR" dirty="0" smtClean="0">
-                <a:latin typeface="배달의민족 도현" pitchFamily="50" charset="-127"/>
-                <a:ea typeface="배달의민족 도현" pitchFamily="50" charset="-127"/>
-              </a:rPr>
-              <a:t>TART</a:t>
-            </a:r>
-            <a:r>
-              <a:rPr lang="en-US" altLang="ko-KR" dirty="0" smtClean="0">
-                <a:solidFill>
-                  <a:schemeClr val="accent5"/>
-                </a:solidFill>
-                <a:latin typeface="배달의민족 도현" pitchFamily="50" charset="-127"/>
-                <a:ea typeface="배달의민족 도현" pitchFamily="50" charset="-127"/>
-              </a:rPr>
-              <a:t>C</a:t>
-            </a:r>
-            <a:r>
-              <a:rPr lang="en-US" altLang="ko-KR" dirty="0" smtClean="0">
-                <a:latin typeface="배달의민족 도현" pitchFamily="50" charset="-127"/>
-                <a:ea typeface="배달의민족 도현" pitchFamily="50" charset="-127"/>
-              </a:rPr>
-              <a:t>ODING</a:t>
-            </a:r>
-            <a:endParaRPr lang="ko-KR" altLang="en-US" dirty="0">
-              <a:latin typeface="배달의민족 도현" pitchFamily="50" charset="-127"/>
-              <a:ea typeface="배달의민족 도현" pitchFamily="50" charset="-127"/>
-            </a:endParaRPr>
-          </a:p>
-        </p:txBody>
-      </p:sp>
-    </p:spTree>
-    <p:extLst>
-      <p:ext uri="{BB962C8B-B14F-4D97-AF65-F5344CB8AC3E}">
-        <p14:creationId xmlns:p14="http://schemas.microsoft.com/office/powerpoint/2010/main" val="1257734880"/>
-      </p:ext>
-    </p:extLst>
-  </p:cSld>
-  <p:clrMapOvr>
-    <a:masterClrMapping/>
-  </p:clrMapOvr>
-  <p:timing>
-    <p:tnLst>
-      <p:par>
-        <p:cTn id="1" dur="indefinite" restart="never" nodeType="tmRoot"/>
-      </p:par>
-    </p:tnLst>
-  </p:timing>
-</p:sld>
-</file>
-
-<file path=ppt/slides/slide6.xml><?xml version="1.0" encoding="utf-8"?>
-<p:sld xmlns:a="http://schemas.openxmlformats.org/drawingml/2006/main" xmlns:r="http://schemas.openxmlformats.org/officeDocument/2006/relationships" xmlns:p="http://schemas.openxmlformats.org/presentationml/2006/main">
-  <p:cSld>
-    <p:spTree>
-      <p:nvGrpSpPr>
-        <p:cNvPr id="1" name=""/>
-        <p:cNvGrpSpPr/>
-        <p:nvPr/>
-      </p:nvGrpSpPr>
-      <p:grpSpPr>
-        <a:xfrm>
-          <a:off x="0" y="0"/>
-          <a:ext cx="0" cy="0"/>
-          <a:chOff x="0" y="0"/>
-          <a:chExt cx="0" cy="0"/>
-        </a:xfrm>
-      </p:grpSpPr>
-      <p:sp>
-        <p:nvSpPr>
-          <p:cNvPr id="2" name="제목 1"/>
-          <p:cNvSpPr>
-            <a:spLocks noGrp="1"/>
-          </p:cNvSpPr>
-          <p:nvPr>
-            <p:ph type="ctrTitle"/>
-          </p:nvPr>
-        </p:nvSpPr>
-        <p:spPr/>
-        <p:txBody>
-          <a:bodyPr/>
-          <a:lstStyle/>
-          <a:p>
-            <a:r>
-              <a:rPr lang="ko-KR" altLang="en-US" dirty="0" smtClean="0">
-                <a:latin typeface="배달의민족 주아" pitchFamily="18" charset="-127"/>
-                <a:ea typeface="배달의민족 주아" pitchFamily="18" charset="-127"/>
-              </a:rPr>
-              <a:t>자바스크립트 표준</a:t>
-            </a:r>
-            <a:endParaRPr lang="ko-KR" altLang="en-US" dirty="0">
-              <a:latin typeface="배달의민족 주아" pitchFamily="18" charset="-127"/>
-              <a:ea typeface="배달의민족 주아" pitchFamily="18" charset="-127"/>
-            </a:endParaRPr>
-          </a:p>
-        </p:txBody>
-      </p:sp>
-      <p:sp>
-        <p:nvSpPr>
-          <p:cNvPr id="3" name="TextBox 2"/>
-          <p:cNvSpPr txBox="1"/>
-          <p:nvPr/>
-        </p:nvSpPr>
-        <p:spPr>
-          <a:xfrm>
-            <a:off x="6588224" y="6165304"/>
-            <a:ext cx="1838965" cy="369332"/>
-          </a:xfrm>
-          <a:prstGeom prst="rect">
-            <a:avLst/>
-          </a:prstGeom>
-          <a:noFill/>
-        </p:spPr>
-        <p:txBody>
-          <a:bodyPr wrap="none" rtlCol="0">
-            <a:spAutoFit/>
-          </a:bodyPr>
-          <a:lstStyle/>
-          <a:p>
-            <a:r>
-              <a:rPr lang="en-US" altLang="ko-KR" dirty="0" smtClean="0">
-                <a:solidFill>
-                  <a:schemeClr val="accent5"/>
-                </a:solidFill>
-                <a:latin typeface="배달의민족 도현" pitchFamily="50" charset="-127"/>
-                <a:ea typeface="배달의민족 도현" pitchFamily="50" charset="-127"/>
-              </a:rPr>
-              <a:t>S</a:t>
-            </a:r>
-            <a:r>
-              <a:rPr lang="en-US" altLang="ko-KR" dirty="0" smtClean="0">
-                <a:latin typeface="배달의민족 도현" pitchFamily="50" charset="-127"/>
-                <a:ea typeface="배달의민족 도현" pitchFamily="50" charset="-127"/>
-              </a:rPr>
-              <a:t>TART</a:t>
-            </a:r>
-            <a:r>
-              <a:rPr lang="en-US" altLang="ko-KR" dirty="0" smtClean="0">
-                <a:solidFill>
-                  <a:schemeClr val="accent5"/>
-                </a:solidFill>
-                <a:latin typeface="배달의민족 도현" pitchFamily="50" charset="-127"/>
-                <a:ea typeface="배달의민족 도현" pitchFamily="50" charset="-127"/>
-              </a:rPr>
-              <a:t>C</a:t>
-            </a:r>
-            <a:r>
-              <a:rPr lang="en-US" altLang="ko-KR" dirty="0" smtClean="0">
-                <a:latin typeface="배달의민족 도현" pitchFamily="50" charset="-127"/>
-                <a:ea typeface="배달의민족 도현" pitchFamily="50" charset="-127"/>
-              </a:rPr>
-              <a:t>ODING</a:t>
-            </a:r>
-            <a:endParaRPr lang="ko-KR" altLang="en-US" dirty="0">
-              <a:latin typeface="배달의민족 도현" pitchFamily="50" charset="-127"/>
-              <a:ea typeface="배달의민족 도현" pitchFamily="50" charset="-127"/>
-            </a:endParaRPr>
-          </a:p>
-        </p:txBody>
-      </p:sp>
-      <p:sp>
-        <p:nvSpPr>
-          <p:cNvPr id="5" name="제목 1"/>
-          <p:cNvSpPr txBox="1">
-            <a:spLocks/>
-          </p:cNvSpPr>
-          <p:nvPr/>
-        </p:nvSpPr>
-        <p:spPr>
-          <a:xfrm>
-            <a:off x="838200" y="3107663"/>
-            <a:ext cx="7772400" cy="1470025"/>
-          </a:xfrm>
-          <a:prstGeom prst="rect">
-            <a:avLst/>
-          </a:prstGeom>
-        </p:spPr>
-        <p:txBody>
-          <a:bodyPr vert="horz" lIns="91440" tIns="45720" rIns="91440" bIns="45720" rtlCol="0" anchor="ctr">
-            <a:normAutofit/>
-          </a:bodyPr>
-          <a:lstStyle>
-            <a:lvl1pPr algn="ctr" defTabSz="914400" rtl="0" eaLnBrk="1" latinLnBrk="1" hangingPunct="1">
-              <a:spcBef>
-                <a:spcPct val="0"/>
-              </a:spcBef>
-              <a:buNone/>
-              <a:defRPr sz="4400" kern="1200">
-                <a:solidFill>
-                  <a:schemeClr val="tx1"/>
-                </a:solidFill>
-                <a:latin typeface="+mj-lt"/>
-                <a:ea typeface="+mj-ea"/>
-                <a:cs typeface="+mj-cs"/>
-              </a:defRPr>
-            </a:lvl1pPr>
-          </a:lstStyle>
-          <a:p>
-            <a:r>
-              <a:rPr lang="en-US" altLang="ko-KR" smtClean="0">
-                <a:solidFill>
-                  <a:schemeClr val="accent5"/>
-                </a:solidFill>
-                <a:latin typeface="배달의민족 주아" pitchFamily="18" charset="-127"/>
-                <a:ea typeface="배달의민족 주아" pitchFamily="18" charset="-127"/>
-              </a:rPr>
-              <a:t>ECMAScript6</a:t>
-            </a:r>
-            <a:r>
-              <a:rPr lang="en-US" altLang="ko-KR" smtClean="0">
-                <a:latin typeface="배달의민족 주아" pitchFamily="18" charset="-127"/>
-                <a:ea typeface="배달의민족 주아" pitchFamily="18" charset="-127"/>
-              </a:rPr>
-              <a:t> </a:t>
-            </a:r>
-            <a:r>
-              <a:rPr lang="en-US" altLang="ko-KR" dirty="0" smtClean="0">
-                <a:latin typeface="배달의민족 주아" pitchFamily="18" charset="-127"/>
-                <a:ea typeface="배달의민족 주아" pitchFamily="18" charset="-127"/>
-              </a:rPr>
-              <a:t>(2015)</a:t>
-            </a:r>
-            <a:endParaRPr lang="ko-KR" altLang="en-US" dirty="0">
-              <a:latin typeface="배달의민족 주아" pitchFamily="18" charset="-127"/>
-              <a:ea typeface="배달의민족 주아" pitchFamily="18" charset="-127"/>
-            </a:endParaRPr>
-          </a:p>
-        </p:txBody>
-      </p:sp>
-    </p:spTree>
-    <p:extLst>
-      <p:ext uri="{BB962C8B-B14F-4D97-AF65-F5344CB8AC3E}">
-        <p14:creationId xmlns:p14="http://schemas.microsoft.com/office/powerpoint/2010/main" val="3842579216"/>
-      </p:ext>
-    </p:extLst>
-  </p:cSld>
-  <p:clrMapOvr>
-    <a:masterClrMapping/>
-  </p:clrMapOvr>
-  <p:timing>
-    <p:tnLst>
-      <p:par>
-        <p:cTn id="1" dur="indefinite" restart="never" nodeType="tmRoot">
-          <p:childTnLst>
-            <p:seq concurrent="1" nextAc="seek">
-              <p:cTn id="2" dur="indefinite" nodeType="mainSeq">
-                <p:childTnLst>
-                  <p:par>
-                    <p:cTn id="3" fill="hold">
-                      <p:stCondLst>
-                        <p:cond delay="indefinite"/>
-                      </p:stCondLst>
-                      <p:childTnLst>
-                        <p:par>
-                          <p:cTn id="4" fill="hold">
-                            <p:stCondLst>
-                              <p:cond delay="0"/>
-                            </p:stCondLst>
-                            <p:childTnLst>
-                              <p:par>
-                                <p:cTn id="5" presetID="10" presetClass="entr" presetSubtype="0" fill="hold" grpId="0" nodeType="clickEffect">
-                                  <p:stCondLst>
-                                    <p:cond delay="0"/>
-                                  </p:stCondLst>
-                                  <p:childTnLst>
-                                    <p:set>
-                                      <p:cBhvr>
-                                        <p:cTn id="6" dur="1" fill="hold">
-                                          <p:stCondLst>
-                                            <p:cond delay="0"/>
-                                          </p:stCondLst>
-                                        </p:cTn>
-                                        <p:tgtEl>
-                                          <p:spTgt spid="5"/>
-                                        </p:tgtEl>
-                                        <p:attrNameLst>
-                                          <p:attrName>style.visibility</p:attrName>
-                                        </p:attrNameLst>
-                                      </p:cBhvr>
-                                      <p:to>
-                                        <p:strVal val="visible"/>
-                                      </p:to>
-                                    </p:set>
-                                    <p:animEffect transition="in" filter="fade">
-                                      <p:cBhvr>
-                                        <p:cTn id="7" dur="500"/>
-                                        <p:tgtEl>
-                                          <p:spTgt spid="5"/>
-                                        </p:tgtEl>
-                                      </p:cBhvr>
-                                    </p:animEffect>
-                                  </p:childTnLst>
-                                </p:cTn>
-                              </p:par>
-                            </p:childTnLst>
-                          </p:cTn>
-                        </p:par>
-                      </p:childTnLst>
-                    </p:cTn>
-                  </p:par>
-                </p:childTnLst>
-              </p:cTn>
-              <p:prevCondLst>
-                <p:cond evt="onPrev" delay="0">
-                  <p:tgtEl>
-                    <p:sldTgt/>
-                  </p:tgtEl>
-                </p:cond>
-              </p:prevCondLst>
-              <p:nextCondLst>
-                <p:cond evt="onNext" delay="0">
-                  <p:tgtEl>
-                    <p:sldTgt/>
-                  </p:tgtEl>
-                </p:cond>
-              </p:nextCondLst>
-            </p:seq>
-          </p:childTnLst>
-        </p:cTn>
-      </p:par>
-    </p:tnLst>
-    <p:bldLst>
-      <p:bldP spid="5" grpId="0"/>
-    </p:bldLst>
-  </p:timing>
-</p:sld>
-</file>
-
-<file path=ppt/slides/slide7.xml><?xml version="1.0" encoding="utf-8"?>
-<p:sld xmlns:a="http://schemas.openxmlformats.org/drawingml/2006/main" xmlns:r="http://schemas.openxmlformats.org/officeDocument/2006/relationships" xmlns:p="http://schemas.openxmlformats.org/presentationml/2006/main">
-  <p:cSld>
-    <p:spTree>
-      <p:nvGrpSpPr>
-        <p:cNvPr id="1" name=""/>
-        <p:cNvGrpSpPr/>
-        <p:nvPr/>
-      </p:nvGrpSpPr>
-      <p:grpSpPr>
-        <a:xfrm>
-          <a:off x="0" y="0"/>
-          <a:ext cx="0" cy="0"/>
-          <a:chOff x="0" y="0"/>
-          <a:chExt cx="0" cy="0"/>
-        </a:xfrm>
-      </p:grpSpPr>
-      <p:sp>
-        <p:nvSpPr>
-          <p:cNvPr id="2" name="제목 1"/>
-          <p:cNvSpPr>
-            <a:spLocks noGrp="1"/>
-          </p:cNvSpPr>
-          <p:nvPr>
-            <p:ph type="ctrTitle"/>
-          </p:nvPr>
-        </p:nvSpPr>
-        <p:spPr>
-          <a:xfrm>
             <a:off x="688942" y="2276872"/>
             <a:ext cx="7772400" cy="1470025"/>
           </a:xfrm>
@@ -4907,7 +4430,7 @@
 </p:sld>
 </file>
 
-<file path=ppt/slides/slide8.xml><?xml version="1.0" encoding="utf-8"?>
+<file path=ppt/slides/slide6.xml><?xml version="1.0" encoding="utf-8"?>
 <p:sld xmlns:a="http://schemas.openxmlformats.org/drawingml/2006/main" xmlns:r="http://schemas.openxmlformats.org/officeDocument/2006/relationships" xmlns:p="http://schemas.openxmlformats.org/presentationml/2006/main">
   <p:cSld>
     <p:spTree>

--- a/프론트엔드기초(PPT)/JAVASCRIPT 1강_개요.pptx
+++ b/프론트엔드기초(PPT)/JAVASCRIPT 1강_개요.pptx
@@ -8,9 +8,10 @@
     <p:sldId id="256" r:id="rId2"/>
     <p:sldId id="264" r:id="rId3"/>
     <p:sldId id="262" r:id="rId4"/>
-    <p:sldId id="257" r:id="rId5"/>
-    <p:sldId id="265" r:id="rId6"/>
-    <p:sldId id="263" r:id="rId7"/>
+    <p:sldId id="266" r:id="rId5"/>
+    <p:sldId id="257" r:id="rId6"/>
+    <p:sldId id="265" r:id="rId7"/>
+    <p:sldId id="263" r:id="rId8"/>
   </p:sldIdLst>
   <p:sldSz cx="9144000" cy="6858000" type="screen4x3"/>
   <p:notesSz cx="6858000" cy="9144000"/>
@@ -293,7 +294,7 @@
           <a:p>
             <a:fld id="{FB30EDBD-1C2D-4C1E-B459-B60219FAB484}" type="datetimeFigureOut">
               <a:rPr lang="ko-KR" altLang="en-US" smtClean="0"/>
-              <a:t>2020-09-12</a:t>
+              <a:t>2020-09-22</a:t>
             </a:fld>
             <a:endParaRPr lang="ko-KR" altLang="en-US"/>
           </a:p>
@@ -458,7 +459,7 @@
           <a:p>
             <a:fld id="{FB30EDBD-1C2D-4C1E-B459-B60219FAB484}" type="datetimeFigureOut">
               <a:rPr lang="ko-KR" altLang="en-US" smtClean="0"/>
-              <a:t>2020-09-12</a:t>
+              <a:t>2020-09-22</a:t>
             </a:fld>
             <a:endParaRPr lang="ko-KR" altLang="en-US"/>
           </a:p>
@@ -633,7 +634,7 @@
           <a:p>
             <a:fld id="{FB30EDBD-1C2D-4C1E-B459-B60219FAB484}" type="datetimeFigureOut">
               <a:rPr lang="ko-KR" altLang="en-US" smtClean="0"/>
-              <a:t>2020-09-12</a:t>
+              <a:t>2020-09-22</a:t>
             </a:fld>
             <a:endParaRPr lang="ko-KR" altLang="en-US"/>
           </a:p>
@@ -798,7 +799,7 @@
           <a:p>
             <a:fld id="{FB30EDBD-1C2D-4C1E-B459-B60219FAB484}" type="datetimeFigureOut">
               <a:rPr lang="ko-KR" altLang="en-US" smtClean="0"/>
-              <a:t>2020-09-12</a:t>
+              <a:t>2020-09-22</a:t>
             </a:fld>
             <a:endParaRPr lang="ko-KR" altLang="en-US"/>
           </a:p>
@@ -1039,7 +1040,7 @@
           <a:p>
             <a:fld id="{FB30EDBD-1C2D-4C1E-B459-B60219FAB484}" type="datetimeFigureOut">
               <a:rPr lang="ko-KR" altLang="en-US" smtClean="0"/>
-              <a:t>2020-09-12</a:t>
+              <a:t>2020-09-22</a:t>
             </a:fld>
             <a:endParaRPr lang="ko-KR" altLang="en-US"/>
           </a:p>
@@ -1322,7 +1323,7 @@
           <a:p>
             <a:fld id="{FB30EDBD-1C2D-4C1E-B459-B60219FAB484}" type="datetimeFigureOut">
               <a:rPr lang="ko-KR" altLang="en-US" smtClean="0"/>
-              <a:t>2020-09-12</a:t>
+              <a:t>2020-09-22</a:t>
             </a:fld>
             <a:endParaRPr lang="ko-KR" altLang="en-US"/>
           </a:p>
@@ -1739,7 +1740,7 @@
           <a:p>
             <a:fld id="{FB30EDBD-1C2D-4C1E-B459-B60219FAB484}" type="datetimeFigureOut">
               <a:rPr lang="ko-KR" altLang="en-US" smtClean="0"/>
-              <a:t>2020-09-12</a:t>
+              <a:t>2020-09-22</a:t>
             </a:fld>
             <a:endParaRPr lang="ko-KR" altLang="en-US"/>
           </a:p>
@@ -1852,7 +1853,7 @@
           <a:p>
             <a:fld id="{FB30EDBD-1C2D-4C1E-B459-B60219FAB484}" type="datetimeFigureOut">
               <a:rPr lang="ko-KR" altLang="en-US" smtClean="0"/>
-              <a:t>2020-09-12</a:t>
+              <a:t>2020-09-22</a:t>
             </a:fld>
             <a:endParaRPr lang="ko-KR" altLang="en-US"/>
           </a:p>
@@ -1942,7 +1943,7 @@
           <a:p>
             <a:fld id="{FB30EDBD-1C2D-4C1E-B459-B60219FAB484}" type="datetimeFigureOut">
               <a:rPr lang="ko-KR" altLang="en-US" smtClean="0"/>
-              <a:t>2020-09-12</a:t>
+              <a:t>2020-09-22</a:t>
             </a:fld>
             <a:endParaRPr lang="ko-KR" altLang="en-US"/>
           </a:p>
@@ -2214,7 +2215,7 @@
           <a:p>
             <a:fld id="{FB30EDBD-1C2D-4C1E-B459-B60219FAB484}" type="datetimeFigureOut">
               <a:rPr lang="ko-KR" altLang="en-US" smtClean="0"/>
-              <a:t>2020-09-12</a:t>
+              <a:t>2020-09-22</a:t>
             </a:fld>
             <a:endParaRPr lang="ko-KR" altLang="en-US"/>
           </a:p>
@@ -2462,7 +2463,7 @@
           <a:p>
             <a:fld id="{FB30EDBD-1C2D-4C1E-B459-B60219FAB484}" type="datetimeFigureOut">
               <a:rPr lang="ko-KR" altLang="en-US" smtClean="0"/>
-              <a:t>2020-09-12</a:t>
+              <a:t>2020-09-22</a:t>
             </a:fld>
             <a:endParaRPr lang="ko-KR" altLang="en-US"/>
           </a:p>
@@ -2670,7 +2671,7 @@
           <a:p>
             <a:fld id="{FB30EDBD-1C2D-4C1E-B459-B60219FAB484}" type="datetimeFigureOut">
               <a:rPr lang="ko-KR" altLang="en-US" smtClean="0"/>
-              <a:t>2020-09-12</a:t>
+              <a:t>2020-09-22</a:t>
             </a:fld>
             <a:endParaRPr lang="ko-KR" altLang="en-US"/>
           </a:p>
@@ -3359,18 +3360,11 @@
           </a:lstStyle>
           <a:p>
             <a:r>
-              <a:rPr lang="en-US" altLang="ko-KR" dirty="0" smtClean="0">
-                <a:latin typeface="배달의민족 주아" pitchFamily="18" charset="-127"/>
-                <a:ea typeface="배달의민족 주아" pitchFamily="18" charset="-127"/>
-              </a:rPr>
-              <a:t>HTML </a:t>
-            </a:r>
-            <a:r>
               <a:rPr lang="ko-KR" altLang="en-US" dirty="0" smtClean="0">
                 <a:latin typeface="배달의민족 주아" pitchFamily="18" charset="-127"/>
                 <a:ea typeface="배달의민족 주아" pitchFamily="18" charset="-127"/>
               </a:rPr>
-              <a:t>위에서 동작하는 </a:t>
+              <a:t>웹사이트를 만들려면</a:t>
             </a:r>
             <a:endParaRPr lang="en-US" altLang="ko-KR" dirty="0" smtClean="0">
               <a:latin typeface="배달의민족 주아" pitchFamily="18" charset="-127"/>
@@ -3383,14 +3377,7 @@
                 <a:latin typeface="배달의민족 주아" pitchFamily="18" charset="-127"/>
                 <a:ea typeface="배달의민족 주아" pitchFamily="18" charset="-127"/>
               </a:rPr>
-              <a:t>스크립트 </a:t>
-            </a:r>
-            <a:r>
-              <a:rPr lang="ko-KR" altLang="en-US" dirty="0" smtClean="0">
-                <a:latin typeface="배달의민족 주아" pitchFamily="18" charset="-127"/>
-                <a:ea typeface="배달의민족 주아" pitchFamily="18" charset="-127"/>
-              </a:rPr>
-              <a:t>언어</a:t>
+              <a:t>반드시 배워야 하는 프로그래밍 언어</a:t>
             </a:r>
             <a:endParaRPr lang="ko-KR" altLang="en-US" dirty="0">
               <a:latin typeface="배달의민족 주아" pitchFamily="18" charset="-127"/>
@@ -3701,6 +3688,40 @@
           </a:extLst>
         </p:spPr>
       </p:pic>
+      <p:sp>
+        <p:nvSpPr>
+          <p:cNvPr id="8" name="제목 1"/>
+          <p:cNvSpPr>
+            <a:spLocks noGrp="1"/>
+          </p:cNvSpPr>
+          <p:nvPr>
+            <p:ph type="ctrTitle"/>
+          </p:nvPr>
+        </p:nvSpPr>
+        <p:spPr>
+          <a:xfrm>
+            <a:off x="685800" y="1268760"/>
+            <a:ext cx="7772400" cy="1470025"/>
+          </a:xfrm>
+        </p:spPr>
+        <p:txBody>
+          <a:bodyPr/>
+          <a:lstStyle/>
+          <a:p>
+            <a:r>
+              <a:rPr lang="ko-KR" altLang="en-US" dirty="0" err="1" smtClean="0">
+                <a:latin typeface="배달의민족 주아" pitchFamily="18" charset="-127"/>
+                <a:ea typeface="배달의민족 주아" pitchFamily="18" charset="-127"/>
+              </a:rPr>
+              <a:t>프론트엔드</a:t>
+            </a:r>
+            <a:endParaRPr lang="ko-KR" altLang="en-US" dirty="0">
+              <a:latin typeface="배달의민족 주아" pitchFamily="18" charset="-127"/>
+              <a:ea typeface="배달의민족 주아" pitchFamily="18" charset="-127"/>
+            </a:endParaRPr>
+          </a:p>
+        </p:txBody>
+      </p:sp>
     </p:spTree>
     <p:extLst>
       <p:ext uri="{BB962C8B-B14F-4D97-AF65-F5344CB8AC3E}">
@@ -3711,6 +3732,14 @@
   <p:clrMapOvr>
     <a:masterClrMapping/>
   </p:clrMapOvr>
+  <mc:AlternateContent xmlns:mc="http://schemas.openxmlformats.org/markup-compatibility/2006">
+    <mc:Choice xmlns:p14="http://schemas.microsoft.com/office/powerpoint/2010/main" Requires="p14">
+      <p:transition p14:dur="10"/>
+    </mc:Choice>
+    <mc:Fallback>
+      <p:transition/>
+    </mc:Fallback>
+  </mc:AlternateContent>
   <p:timing>
     <p:tnLst>
       <p:par>
@@ -3766,33 +3795,15 @@
                                   </p:childTnLst>
                                 </p:cTn>
                               </p:par>
-                            </p:childTnLst>
-                          </p:cTn>
-                        </p:par>
-                      </p:childTnLst>
-                    </p:cTn>
-                  </p:par>
-                  <p:par>
-                    <p:cTn id="8" fill="hold">
-                      <p:stCondLst>
-                        <p:cond delay="indefinite"/>
-                      </p:stCondLst>
-                      <p:childTnLst>
-                        <p:par>
-                          <p:cTn id="9" fill="hold">
-                            <p:stCondLst>
-                              <p:cond delay="0"/>
-                            </p:stCondLst>
-                            <p:childTnLst>
                               <p:par>
-                                <p:cTn id="10" presetID="10" presetClass="entr" presetSubtype="0" fill="hold" nodeType="clickEffect">
+                                <p:cTn id="8" presetID="10" presetClass="entr" presetSubtype="0" fill="hold" nodeType="withEffect">
                                   <p:stCondLst>
                                     <p:cond delay="0"/>
                                   </p:stCondLst>
                                   <p:childTnLst>
                                     <p:set>
                                       <p:cBhvr>
-                                        <p:cTn id="11" dur="1" fill="hold">
+                                        <p:cTn id="9" dur="1" fill="hold">
                                           <p:stCondLst>
                                             <p:cond delay="0"/>
                                           </p:stCondLst>
@@ -3810,12 +3821,83 @@
                                     </p:set>
                                     <p:animEffect transition="in" filter="fade">
                                       <p:cBhvr>
-                                        <p:cTn id="12" dur="500"/>
+                                        <p:cTn id="10" dur="500"/>
                                         <p:tgtEl>
                                           <p:spTgt spid="7"/>
                                         </p:tgtEl>
                                       </p:cBhvr>
                                     </p:animEffect>
+                                  </p:childTnLst>
+                                </p:cTn>
+                              </p:par>
+                              <p:par>
+                                <p:cTn id="11" presetID="10" presetClass="entr" presetSubtype="0" fill="hold" nodeType="withEffect">
+                                  <p:stCondLst>
+                                    <p:cond delay="0"/>
+                                  </p:stCondLst>
+                                  <p:childTnLst>
+                                    <p:set>
+                                      <p:cBhvr>
+                                        <p:cTn id="12" dur="1" fill="hold">
+                                          <p:stCondLst>
+                                            <p:cond delay="0"/>
+                                          </p:stCondLst>
+                                        </p:cTn>
+                                        <p:tgtEl>
+                                          <p:spTgt spid="4"/>
+                                        </p:tgtEl>
+                                        <p:attrNameLst>
+                                          <p:attrName>style.visibility</p:attrName>
+                                        </p:attrNameLst>
+                                      </p:cBhvr>
+                                      <p:to>
+                                        <p:strVal val="visible"/>
+                                      </p:to>
+                                    </p:set>
+                                    <p:animEffect transition="in" filter="fade">
+                                      <p:cBhvr>
+                                        <p:cTn id="13" dur="500"/>
+                                        <p:tgtEl>
+                                          <p:spTgt spid="4"/>
+                                        </p:tgtEl>
+                                      </p:cBhvr>
+                                    </p:animEffect>
+                                  </p:childTnLst>
+                                </p:cTn>
+                              </p:par>
+                            </p:childTnLst>
+                          </p:cTn>
+                        </p:par>
+                      </p:childTnLst>
+                    </p:cTn>
+                  </p:par>
+                  <p:par>
+                    <p:cTn id="14" fill="hold">
+                      <p:stCondLst>
+                        <p:cond delay="indefinite"/>
+                      </p:stCondLst>
+                      <p:childTnLst>
+                        <p:par>
+                          <p:cTn id="15" fill="hold">
+                            <p:stCondLst>
+                              <p:cond delay="0"/>
+                            </p:stCondLst>
+                            <p:childTnLst>
+                              <p:par>
+                                <p:cTn id="16" presetID="6" presetClass="emph" presetSubtype="0" fill="hold" nodeType="clickEffect">
+                                  <p:stCondLst>
+                                    <p:cond delay="0"/>
+                                  </p:stCondLst>
+                                  <p:childTnLst>
+                                    <p:animScale>
+                                      <p:cBhvr>
+                                        <p:cTn id="17" dur="2000" fill="hold"/>
+                                        <p:tgtEl>
+                                          <p:spTgt spid="7"/>
+                                        </p:tgtEl>
+                                      </p:cBhvr>
+                                      <p:by x="150000" y="150000"/>
+                                    </p:animScale>
                                   </p:childTnLst>
                                 </p:cTn>
                               </p:par>
@@ -3869,6 +3951,239 @@
       </p:grpSpPr>
       <p:sp>
         <p:nvSpPr>
+          <p:cNvPr id="3" name="TextBox 2"/>
+          <p:cNvSpPr txBox="1"/>
+          <p:nvPr/>
+        </p:nvSpPr>
+        <p:spPr>
+          <a:xfrm>
+            <a:off x="6588224" y="6165304"/>
+            <a:ext cx="1838965" cy="369332"/>
+          </a:xfrm>
+          <a:prstGeom prst="rect">
+            <a:avLst/>
+          </a:prstGeom>
+          <a:noFill/>
+        </p:spPr>
+        <p:txBody>
+          <a:bodyPr wrap="none" rtlCol="0">
+            <a:spAutoFit/>
+          </a:bodyPr>
+          <a:lstStyle/>
+          <a:p>
+            <a:r>
+              <a:rPr lang="en-US" altLang="ko-KR" dirty="0" smtClean="0">
+                <a:solidFill>
+                  <a:schemeClr val="accent5"/>
+                </a:solidFill>
+                <a:latin typeface="배달의민족 도현" pitchFamily="50" charset="-127"/>
+                <a:ea typeface="배달의민족 도현" pitchFamily="50" charset="-127"/>
+              </a:rPr>
+              <a:t>S</a:t>
+            </a:r>
+            <a:r>
+              <a:rPr lang="en-US" altLang="ko-KR" dirty="0" smtClean="0">
+                <a:latin typeface="배달의민족 도현" pitchFamily="50" charset="-127"/>
+                <a:ea typeface="배달의민족 도현" pitchFamily="50" charset="-127"/>
+              </a:rPr>
+              <a:t>TART</a:t>
+            </a:r>
+            <a:r>
+              <a:rPr lang="en-US" altLang="ko-KR" dirty="0" smtClean="0">
+                <a:solidFill>
+                  <a:schemeClr val="accent5"/>
+                </a:solidFill>
+                <a:latin typeface="배달의민족 도현" pitchFamily="50" charset="-127"/>
+                <a:ea typeface="배달의민족 도현" pitchFamily="50" charset="-127"/>
+              </a:rPr>
+              <a:t>C</a:t>
+            </a:r>
+            <a:r>
+              <a:rPr lang="en-US" altLang="ko-KR" dirty="0" smtClean="0">
+                <a:latin typeface="배달의민족 도현" pitchFamily="50" charset="-127"/>
+                <a:ea typeface="배달의민족 도현" pitchFamily="50" charset="-127"/>
+              </a:rPr>
+              <a:t>ODING</a:t>
+            </a:r>
+            <a:endParaRPr lang="ko-KR" altLang="en-US" dirty="0">
+              <a:latin typeface="배달의민족 도현" pitchFamily="50" charset="-127"/>
+              <a:ea typeface="배달의민족 도현" pitchFamily="50" charset="-127"/>
+            </a:endParaRPr>
+          </a:p>
+        </p:txBody>
+      </p:sp>
+      <p:pic>
+        <p:nvPicPr>
+          <p:cNvPr id="1026" name="Picture 2"/>
+          <p:cNvPicPr>
+            <a:picLocks noChangeAspect="1" noChangeArrowheads="1"/>
+          </p:cNvPicPr>
+          <p:nvPr/>
+        </p:nvPicPr>
+        <p:blipFill>
+          <a:blip r:embed="rId2">
+            <a:extLst>
+              <a:ext uri="{28A0092B-C50C-407E-A947-70E740481C1C}">
+                <a14:useLocalDpi xmlns:a14="http://schemas.microsoft.com/office/drawing/2010/main" val="0"/>
+              </a:ext>
+            </a:extLst>
+          </a:blip>
+          <a:srcRect/>
+          <a:stretch>
+            <a:fillRect/>
+          </a:stretch>
+        </p:blipFill>
+        <p:spPr bwMode="auto">
+          <a:xfrm>
+            <a:off x="688253" y="265534"/>
+            <a:ext cx="7734218" cy="5899770"/>
+          </a:xfrm>
+          <a:prstGeom prst="rect">
+            <a:avLst/>
+          </a:prstGeom>
+          <a:noFill/>
+          <a:ln>
+            <a:noFill/>
+          </a:ln>
+          <a:effectLst/>
+          <a:extLst>
+            <a:ext uri="{909E8E84-426E-40DD-AFC4-6F175D3DCCD1}">
+              <a14:hiddenFill xmlns:a14="http://schemas.microsoft.com/office/drawing/2010/main">
+                <a:solidFill>
+                  <a:schemeClr val="accent1"/>
+                </a:solidFill>
+              </a14:hiddenFill>
+            </a:ext>
+            <a:ext uri="{91240B29-F687-4F45-9708-019B960494DF}">
+              <a14:hiddenLine xmlns:a14="http://schemas.microsoft.com/office/drawing/2010/main" w="9525">
+                <a:solidFill>
+                  <a:schemeClr val="tx1"/>
+                </a:solidFill>
+                <a:miter lim="800000"/>
+                <a:headEnd/>
+                <a:tailEnd/>
+              </a14:hiddenLine>
+            </a:ext>
+            <a:ext uri="{AF507438-7753-43E0-B8FC-AC1667EBCBE1}">
+              <a14:hiddenEffects xmlns:a14="http://schemas.microsoft.com/office/drawing/2010/main">
+                <a:effectLst>
+                  <a:outerShdw dist="35921" dir="2700000" algn="ctr" rotWithShape="0">
+                    <a:schemeClr val="bg2"/>
+                  </a:outerShdw>
+                </a:effectLst>
+              </a14:hiddenEffects>
+            </a:ext>
+          </a:extLst>
+        </p:spPr>
+      </p:pic>
+      <p:sp>
+        <p:nvSpPr>
+          <p:cNvPr id="5" name="직사각형 4"/>
+          <p:cNvSpPr/>
+          <p:nvPr/>
+        </p:nvSpPr>
+        <p:spPr>
+          <a:xfrm>
+            <a:off x="1547664" y="6142928"/>
+            <a:ext cx="5112568" cy="369332"/>
+          </a:xfrm>
+          <a:prstGeom prst="rect">
+            <a:avLst/>
+          </a:prstGeom>
+        </p:spPr>
+        <p:txBody>
+          <a:bodyPr wrap="square">
+            <a:spAutoFit/>
+          </a:bodyPr>
+          <a:lstStyle/>
+          <a:p>
+            <a:r>
+              <a:rPr lang="en-US" altLang="ko-KR" dirty="0">
+                <a:hlinkClick r:id="rId3"/>
+              </a:rPr>
+              <a:t>https://insights.stackoverflow.com/survey/2020</a:t>
+            </a:r>
+            <a:endParaRPr lang="ko-KR" altLang="en-US" dirty="0"/>
+          </a:p>
+        </p:txBody>
+      </p:sp>
+      <p:sp>
+        <p:nvSpPr>
+          <p:cNvPr id="9" name="TextBox 8"/>
+          <p:cNvSpPr txBox="1"/>
+          <p:nvPr/>
+        </p:nvSpPr>
+        <p:spPr>
+          <a:xfrm>
+            <a:off x="1132166" y="855277"/>
+            <a:ext cx="415498" cy="369332"/>
+          </a:xfrm>
+          <a:prstGeom prst="rect">
+            <a:avLst/>
+          </a:prstGeom>
+          <a:noFill/>
+        </p:spPr>
+        <p:txBody>
+          <a:bodyPr wrap="none" rtlCol="0">
+            <a:spAutoFit/>
+          </a:bodyPr>
+          <a:lstStyle/>
+          <a:p>
+            <a:r>
+              <a:rPr lang="ko-KR" altLang="en-US" dirty="0" smtClean="0">
+                <a:solidFill>
+                  <a:schemeClr val="bg1"/>
+                </a:solidFill>
+              </a:rPr>
+              <a:t>★</a:t>
+            </a:r>
+            <a:endParaRPr lang="ko-KR" altLang="en-US" dirty="0">
+              <a:solidFill>
+                <a:schemeClr val="bg1"/>
+              </a:solidFill>
+            </a:endParaRPr>
+          </a:p>
+        </p:txBody>
+      </p:sp>
+    </p:spTree>
+    <p:extLst>
+      <p:ext uri="{BB962C8B-B14F-4D97-AF65-F5344CB8AC3E}">
+        <p14:creationId xmlns:p14="http://schemas.microsoft.com/office/powerpoint/2010/main" val="3825578814"/>
+      </p:ext>
+    </p:extLst>
+  </p:cSld>
+  <p:clrMapOvr>
+    <a:masterClrMapping/>
+  </p:clrMapOvr>
+  <p:timing>
+    <p:tnLst>
+      <p:par>
+        <p:cTn id="1" dur="indefinite" restart="never" nodeType="tmRoot"/>
+      </p:par>
+    </p:tnLst>
+  </p:timing>
+</p:sld>
+</file>
+
+<file path=ppt/slides/slide5.xml><?xml version="1.0" encoding="utf-8"?>
+<p:sld xmlns:a="http://schemas.openxmlformats.org/drawingml/2006/main" xmlns:r="http://schemas.openxmlformats.org/officeDocument/2006/relationships" xmlns:p="http://schemas.openxmlformats.org/presentationml/2006/main">
+  <p:cSld>
+    <p:spTree>
+      <p:nvGrpSpPr>
+        <p:cNvPr id="1" name=""/>
+        <p:cNvGrpSpPr/>
+        <p:nvPr/>
+      </p:nvGrpSpPr>
+      <p:grpSpPr>
+        <a:xfrm>
+          <a:off x="0" y="0"/>
+          <a:ext cx="0" cy="0"/>
+          <a:chOff x="0" y="0"/>
+          <a:chExt cx="0" cy="0"/>
+        </a:xfrm>
+      </p:grpSpPr>
+      <p:sp>
+        <p:nvSpPr>
           <p:cNvPr id="2" name="제목 1"/>
           <p:cNvSpPr>
             <a:spLocks noGrp="1"/>
@@ -3877,7 +4192,12 @@
             <p:ph type="ctrTitle"/>
           </p:nvPr>
         </p:nvSpPr>
-        <p:spPr/>
+        <p:spPr>
+          <a:xfrm>
+            <a:off x="685800" y="1628800"/>
+            <a:ext cx="7772400" cy="1470025"/>
+          </a:xfrm>
+        </p:spPr>
         <p:txBody>
           <a:bodyPr/>
           <a:lstStyle/>
@@ -3906,7 +4226,7 @@
         </p:nvSpPr>
         <p:spPr>
           <a:xfrm>
-            <a:off x="838200" y="3107663"/>
+            <a:off x="654789" y="2926078"/>
             <a:ext cx="7772400" cy="1470025"/>
           </a:xfrm>
           <a:prstGeom prst="rect">
@@ -3934,6 +4254,9 @@
             </a:lvl1pPr>
           </a:lstStyle>
           <a:p>
+            <a:pPr marL="742950" indent="-742950">
+              <a:buAutoNum type="arabicPeriod"/>
+            </a:pPr>
             <a:r>
               <a:rPr lang="ko-KR" altLang="en-US" dirty="0" smtClean="0">
                 <a:latin typeface="배달의민족 주아" pitchFamily="18" charset="-127"/>
@@ -3963,7 +4286,26 @@
                 <a:latin typeface="배달의민족 주아" pitchFamily="18" charset="-127"/>
                 <a:ea typeface="배달의민족 주아" pitchFamily="18" charset="-127"/>
               </a:rPr>
-              <a:t>/ Node.js(</a:t>
+              <a:t> </a:t>
+            </a:r>
+          </a:p>
+          <a:p>
+            <a:pPr marL="742950" indent="-742950">
+              <a:buAutoNum type="arabicPeriod"/>
+            </a:pPr>
+            <a:r>
+              <a:rPr lang="en-US" altLang="ko-KR" dirty="0" smtClean="0">
+                <a:latin typeface="배달의민족 주아" pitchFamily="18" charset="-127"/>
+                <a:ea typeface="배달의민족 주아" pitchFamily="18" charset="-127"/>
+              </a:rPr>
+              <a:t>Node.js</a:t>
+            </a:r>
+            <a:r>
+              <a:rPr lang="en-US" altLang="ko-KR" dirty="0" smtClean="0">
+                <a:latin typeface="배달의민족 주아" pitchFamily="18" charset="-127"/>
+                <a:ea typeface="배달의민족 주아" pitchFamily="18" charset="-127"/>
+              </a:rPr>
+              <a:t>(</a:t>
             </a:r>
             <a:r>
               <a:rPr lang="ko-KR" altLang="en-US" dirty="0" smtClean="0">
@@ -4151,7 +4493,7 @@
 </p:sld>
 </file>
 
-<file path=ppt/slides/slide5.xml><?xml version="1.0" encoding="utf-8"?>
+<file path=ppt/slides/slide6.xml><?xml version="1.0" encoding="utf-8"?>
 <p:sld xmlns:a="http://schemas.openxmlformats.org/drawingml/2006/main" xmlns:r="http://schemas.openxmlformats.org/officeDocument/2006/relationships" xmlns:p="http://schemas.openxmlformats.org/presentationml/2006/main">
   <p:cSld>
     <p:spTree>
@@ -4430,7 +4772,7 @@
 </p:sld>
 </file>
 
-<file path=ppt/slides/slide6.xml><?xml version="1.0" encoding="utf-8"?>
+<file path=ppt/slides/slide7.xml><?xml version="1.0" encoding="utf-8"?>
 <p:sld xmlns:a="http://schemas.openxmlformats.org/drawingml/2006/main" xmlns:r="http://schemas.openxmlformats.org/officeDocument/2006/relationships" xmlns:p="http://schemas.openxmlformats.org/presentationml/2006/main">
   <p:cSld>
     <p:spTree>

--- a/프론트엔드기초(PPT)/JAVASCRIPT 1강_개요.pptx
+++ b/프론트엔드기초(PPT)/JAVASCRIPT 1강_개요.pptx
@@ -294,7 +294,7 @@
           <a:p>
             <a:fld id="{FB30EDBD-1C2D-4C1E-B459-B60219FAB484}" type="datetimeFigureOut">
               <a:rPr lang="ko-KR" altLang="en-US" smtClean="0"/>
-              <a:t>2020-09-22</a:t>
+              <a:t>2020-09-26</a:t>
             </a:fld>
             <a:endParaRPr lang="ko-KR" altLang="en-US"/>
           </a:p>
@@ -459,7 +459,7 @@
           <a:p>
             <a:fld id="{FB30EDBD-1C2D-4C1E-B459-B60219FAB484}" type="datetimeFigureOut">
               <a:rPr lang="ko-KR" altLang="en-US" smtClean="0"/>
-              <a:t>2020-09-22</a:t>
+              <a:t>2020-09-26</a:t>
             </a:fld>
             <a:endParaRPr lang="ko-KR" altLang="en-US"/>
           </a:p>
@@ -634,7 +634,7 @@
           <a:p>
             <a:fld id="{FB30EDBD-1C2D-4C1E-B459-B60219FAB484}" type="datetimeFigureOut">
               <a:rPr lang="ko-KR" altLang="en-US" smtClean="0"/>
-              <a:t>2020-09-22</a:t>
+              <a:t>2020-09-26</a:t>
             </a:fld>
             <a:endParaRPr lang="ko-KR" altLang="en-US"/>
           </a:p>
@@ -799,7 +799,7 @@
           <a:p>
             <a:fld id="{FB30EDBD-1C2D-4C1E-B459-B60219FAB484}" type="datetimeFigureOut">
               <a:rPr lang="ko-KR" altLang="en-US" smtClean="0"/>
-              <a:t>2020-09-22</a:t>
+              <a:t>2020-09-26</a:t>
             </a:fld>
             <a:endParaRPr lang="ko-KR" altLang="en-US"/>
           </a:p>
@@ -1040,7 +1040,7 @@
           <a:p>
             <a:fld id="{FB30EDBD-1C2D-4C1E-B459-B60219FAB484}" type="datetimeFigureOut">
               <a:rPr lang="ko-KR" altLang="en-US" smtClean="0"/>
-              <a:t>2020-09-22</a:t>
+              <a:t>2020-09-26</a:t>
             </a:fld>
             <a:endParaRPr lang="ko-KR" altLang="en-US"/>
           </a:p>
@@ -1323,7 +1323,7 @@
           <a:p>
             <a:fld id="{FB30EDBD-1C2D-4C1E-B459-B60219FAB484}" type="datetimeFigureOut">
               <a:rPr lang="ko-KR" altLang="en-US" smtClean="0"/>
-              <a:t>2020-09-22</a:t>
+              <a:t>2020-09-26</a:t>
             </a:fld>
             <a:endParaRPr lang="ko-KR" altLang="en-US"/>
           </a:p>
@@ -1740,7 +1740,7 @@
           <a:p>
             <a:fld id="{FB30EDBD-1C2D-4C1E-B459-B60219FAB484}" type="datetimeFigureOut">
               <a:rPr lang="ko-KR" altLang="en-US" smtClean="0"/>
-              <a:t>2020-09-22</a:t>
+              <a:t>2020-09-26</a:t>
             </a:fld>
             <a:endParaRPr lang="ko-KR" altLang="en-US"/>
           </a:p>
@@ -1853,7 +1853,7 @@
           <a:p>
             <a:fld id="{FB30EDBD-1C2D-4C1E-B459-B60219FAB484}" type="datetimeFigureOut">
               <a:rPr lang="ko-KR" altLang="en-US" smtClean="0"/>
-              <a:t>2020-09-22</a:t>
+              <a:t>2020-09-26</a:t>
             </a:fld>
             <a:endParaRPr lang="ko-KR" altLang="en-US"/>
           </a:p>
@@ -1943,7 +1943,7 @@
           <a:p>
             <a:fld id="{FB30EDBD-1C2D-4C1E-B459-B60219FAB484}" type="datetimeFigureOut">
               <a:rPr lang="ko-KR" altLang="en-US" smtClean="0"/>
-              <a:t>2020-09-22</a:t>
+              <a:t>2020-09-26</a:t>
             </a:fld>
             <a:endParaRPr lang="ko-KR" altLang="en-US"/>
           </a:p>
@@ -2215,7 +2215,7 @@
           <a:p>
             <a:fld id="{FB30EDBD-1C2D-4C1E-B459-B60219FAB484}" type="datetimeFigureOut">
               <a:rPr lang="ko-KR" altLang="en-US" smtClean="0"/>
-              <a:t>2020-09-22</a:t>
+              <a:t>2020-09-26</a:t>
             </a:fld>
             <a:endParaRPr lang="ko-KR" altLang="en-US"/>
           </a:p>
@@ -2463,7 +2463,7 @@
           <a:p>
             <a:fld id="{FB30EDBD-1C2D-4C1E-B459-B60219FAB484}" type="datetimeFigureOut">
               <a:rPr lang="ko-KR" altLang="en-US" smtClean="0"/>
-              <a:t>2020-09-22</a:t>
+              <a:t>2020-09-26</a:t>
             </a:fld>
             <a:endParaRPr lang="ko-KR" altLang="en-US"/>
           </a:p>
@@ -2671,7 +2671,7 @@
           <a:p>
             <a:fld id="{FB30EDBD-1C2D-4C1E-B459-B60219FAB484}" type="datetimeFigureOut">
               <a:rPr lang="ko-KR" altLang="en-US" smtClean="0"/>
-              <a:t>2020-09-22</a:t>
+              <a:t>2020-09-26</a:t>
             </a:fld>
             <a:endParaRPr lang="ko-KR" altLang="en-US"/>
           </a:p>
@@ -3027,6 +3027,14 @@
 <file path=ppt/slides/slide1.xml><?xml version="1.0" encoding="utf-8"?>
 <p:sld xmlns:a="http://schemas.openxmlformats.org/drawingml/2006/main" xmlns:r="http://schemas.openxmlformats.org/officeDocument/2006/relationships" xmlns:p="http://schemas.openxmlformats.org/presentationml/2006/main">
   <p:cSld>
+    <p:bg>
+      <p:bgPr>
+        <a:solidFill>
+          <a:schemeClr val="accent4"/>
+        </a:solidFill>
+        <a:effectLst/>
+      </p:bgPr>
+    </p:bg>
     <p:spTree>
       <p:nvGrpSpPr>
         <p:cNvPr id="1" name=""/>
@@ -3061,7 +3069,7 @@
             <a:r>
               <a:rPr lang="en-US" altLang="ko-KR" sz="2800" dirty="0" smtClean="0">
                 <a:solidFill>
-                  <a:schemeClr val="accent5"/>
+                  <a:schemeClr val="bg1"/>
                 </a:solidFill>
                 <a:latin typeface="배달의민족 주아" pitchFamily="18" charset="-127"/>
                 <a:ea typeface="배달의민족 주아" pitchFamily="18" charset="-127"/>
@@ -3071,7 +3079,7 @@
             <a:r>
               <a:rPr lang="ko-KR" altLang="en-US" sz="2800" dirty="0" smtClean="0">
                 <a:solidFill>
-                  <a:schemeClr val="accent5"/>
+                  <a:schemeClr val="bg1"/>
                 </a:solidFill>
                 <a:latin typeface="배달의민족 주아" pitchFamily="18" charset="-127"/>
                 <a:ea typeface="배달의민족 주아" pitchFamily="18" charset="-127"/>
@@ -3081,7 +3089,7 @@
             <a:r>
               <a:rPr lang="en-US" altLang="ko-KR" sz="2800" dirty="0" smtClean="0">
                 <a:solidFill>
-                  <a:schemeClr val="accent5"/>
+                  <a:schemeClr val="bg1"/>
                 </a:solidFill>
                 <a:latin typeface="배달의민족 주아" pitchFamily="18" charset="-127"/>
                 <a:ea typeface="배달의민족 주아" pitchFamily="18" charset="-127"/>
@@ -3091,7 +3099,7 @@
             <a:br>
               <a:rPr lang="en-US" altLang="ko-KR" sz="2800" dirty="0" smtClean="0">
                 <a:solidFill>
-                  <a:schemeClr val="accent5"/>
+                  <a:schemeClr val="bg1"/>
                 </a:solidFill>
                 <a:latin typeface="배달의민족 주아" pitchFamily="18" charset="-127"/>
                 <a:ea typeface="배달의민족 주아" pitchFamily="18" charset="-127"/>
@@ -3099,6 +3107,9 @@
             </a:br>
             <a:r>
               <a:rPr lang="en-US" altLang="ko-KR" dirty="0" smtClean="0">
+                <a:solidFill>
+                  <a:schemeClr val="bg1"/>
+                </a:solidFill>
                 <a:latin typeface="배달의민족 주아" pitchFamily="18" charset="-127"/>
                 <a:ea typeface="배달의민족 주아" pitchFamily="18" charset="-127"/>
               </a:rPr>
@@ -3106,18 +3117,27 @@
             </a:r>
             <a:br>
               <a:rPr lang="en-US" altLang="ko-KR" dirty="0" smtClean="0">
+                <a:solidFill>
+                  <a:schemeClr val="bg1"/>
+                </a:solidFill>
                 <a:latin typeface="배달의민족 주아" pitchFamily="18" charset="-127"/>
                 <a:ea typeface="배달의민족 주아" pitchFamily="18" charset="-127"/>
               </a:rPr>
             </a:br>
             <a:r>
               <a:rPr lang="ko-KR" altLang="en-US" dirty="0" smtClean="0">
+                <a:solidFill>
+                  <a:schemeClr val="bg1"/>
+                </a:solidFill>
                 <a:latin typeface="배달의민족 주아" pitchFamily="18" charset="-127"/>
                 <a:ea typeface="배달의민족 주아" pitchFamily="18" charset="-127"/>
               </a:rPr>
               <a:t>자바스크립트 개요</a:t>
             </a:r>
             <a:endParaRPr lang="ko-KR" altLang="en-US" dirty="0">
+              <a:solidFill>
+                <a:schemeClr val="bg1"/>
+              </a:solidFill>
               <a:latin typeface="배달의민족 주아" pitchFamily="18" charset="-127"/>
               <a:ea typeface="배달의민족 주아" pitchFamily="18" charset="-127"/>
             </a:endParaRPr>
@@ -3149,7 +3169,7 @@
             <a:r>
               <a:rPr lang="en-US" altLang="ko-KR" dirty="0" smtClean="0">
                 <a:solidFill>
-                  <a:schemeClr val="accent5"/>
+                  <a:schemeClr val="bg1"/>
                 </a:solidFill>
                 <a:latin typeface="배달의민족 도현" pitchFamily="50" charset="-127"/>
                 <a:ea typeface="배달의민족 도현" pitchFamily="50" charset="-127"/>
@@ -3166,7 +3186,7 @@
             <a:r>
               <a:rPr lang="en-US" altLang="ko-KR" dirty="0" smtClean="0">
                 <a:solidFill>
-                  <a:schemeClr val="accent5"/>
+                  <a:schemeClr val="bg1"/>
                 </a:solidFill>
                 <a:latin typeface="배달의민족 도현" pitchFamily="50" charset="-127"/>
                 <a:ea typeface="배달의민족 도현" pitchFamily="50" charset="-127"/>
@@ -3732,11 +3752,11 @@
   <p:clrMapOvr>
     <a:masterClrMapping/>
   </p:clrMapOvr>
-  <mc:AlternateContent xmlns:mc="http://schemas.openxmlformats.org/markup-compatibility/2006">
-    <mc:Choice xmlns:p14="http://schemas.microsoft.com/office/powerpoint/2010/main" Requires="p14">
+  <mc:AlternateContent xmlns:mc="http://schemas.openxmlformats.org/markup-compatibility/2006" xmlns:p14="http://schemas.microsoft.com/office/powerpoint/2010/main">
+    <mc:Choice Requires="p14">
       <p:transition p14:dur="10"/>
     </mc:Choice>
-    <mc:Fallback>
+    <mc:Fallback xmlns="">
       <p:transition/>
     </mc:Fallback>
   </mc:AlternateContent>
@@ -4298,14 +4318,7 @@
                 <a:latin typeface="배달의민족 주아" pitchFamily="18" charset="-127"/>
                 <a:ea typeface="배달의민족 주아" pitchFamily="18" charset="-127"/>
               </a:rPr>
-              <a:t>Node.js</a:t>
-            </a:r>
-            <a:r>
-              <a:rPr lang="en-US" altLang="ko-KR" dirty="0" smtClean="0">
-                <a:latin typeface="배달의민족 주아" pitchFamily="18" charset="-127"/>
-                <a:ea typeface="배달의민족 주아" pitchFamily="18" charset="-127"/>
-              </a:rPr>
-              <a:t>(</a:t>
+              <a:t>Node.js(</a:t>
             </a:r>
             <a:r>
               <a:rPr lang="ko-KR" altLang="en-US" dirty="0" smtClean="0">
